--- a/Stage_2/Analytics Server, Data Management & Storage_v3.pptx
+++ b/Stage_2/Analytics Server, Data Management & Storage_v3.pptx
@@ -6,7 +6,7 @@
     <p:sldMasterId id="2147483660" r:id="rId2"/>
   </p:sldMasterIdLst>
   <p:notesMasterIdLst>
-    <p:notesMasterId r:id="rId22"/>
+    <p:notesMasterId r:id="rId21"/>
   </p:notesMasterIdLst>
   <p:sldIdLst>
     <p:sldId id="256" r:id="rId3"/>
@@ -27,7 +27,6 @@
     <p:sldId id="286" r:id="rId18"/>
     <p:sldId id="274" r:id="rId19"/>
     <p:sldId id="273" r:id="rId20"/>
-    <p:sldId id="287" r:id="rId21"/>
   </p:sldIdLst>
   <p:sldSz cx="12192000" cy="6858000"/>
   <p:notesSz cx="6858000" cy="9144000"/>
@@ -216,7 +215,7 @@
           <a:p>
             <a:fld id="{78D8ED23-43D8-D94F-A5DC-C0F7F3E11FBC}" type="datetimeFigureOut">
               <a:rPr lang="en-US" smtClean="0"/>
-              <a:t>3/14/18</a:t>
+              <a:t>3/19/18</a:t>
             </a:fld>
             <a:endParaRPr lang="en-US"/>
           </a:p>
@@ -612,7 +611,7 @@
           <a:p>
             <a:fld id="{9B2CA86B-D2A5-1543-8396-0D0B2BBDC05D}" type="datetimeFigureOut">
               <a:rPr lang="en-US" smtClean="0"/>
-              <a:t>3/14/18</a:t>
+              <a:t>3/19/18</a:t>
             </a:fld>
             <a:endParaRPr lang="en-US"/>
           </a:p>
@@ -780,7 +779,7 @@
           <a:p>
             <a:fld id="{9B2CA86B-D2A5-1543-8396-0D0B2BBDC05D}" type="datetimeFigureOut">
               <a:rPr lang="en-US" smtClean="0"/>
-              <a:t>3/14/18</a:t>
+              <a:t>3/19/18</a:t>
             </a:fld>
             <a:endParaRPr lang="en-US"/>
           </a:p>
@@ -958,7 +957,7 @@
           <a:p>
             <a:fld id="{9B2CA86B-D2A5-1543-8396-0D0B2BBDC05D}" type="datetimeFigureOut">
               <a:rPr lang="en-US" smtClean="0"/>
-              <a:t>3/14/18</a:t>
+              <a:t>3/19/18</a:t>
             </a:fld>
             <a:endParaRPr lang="en-US"/>
           </a:p>
@@ -2300,7 +2299,7 @@
           <a:p>
             <a:fld id="{9B2CA86B-D2A5-1543-8396-0D0B2BBDC05D}" type="datetimeFigureOut">
               <a:rPr lang="en-US" smtClean="0"/>
-              <a:t>3/14/18</a:t>
+              <a:t>3/19/18</a:t>
             </a:fld>
             <a:endParaRPr lang="en-US"/>
           </a:p>
@@ -2545,7 +2544,7 @@
           <a:p>
             <a:fld id="{9B2CA86B-D2A5-1543-8396-0D0B2BBDC05D}" type="datetimeFigureOut">
               <a:rPr lang="en-US" smtClean="0"/>
-              <a:t>3/14/18</a:t>
+              <a:t>3/19/18</a:t>
             </a:fld>
             <a:endParaRPr lang="en-US"/>
           </a:p>
@@ -2774,7 +2773,7 @@
           <a:p>
             <a:fld id="{9B2CA86B-D2A5-1543-8396-0D0B2BBDC05D}" type="datetimeFigureOut">
               <a:rPr lang="en-US" smtClean="0"/>
-              <a:t>3/14/18</a:t>
+              <a:t>3/19/18</a:t>
             </a:fld>
             <a:endParaRPr lang="en-US"/>
           </a:p>
@@ -3138,7 +3137,7 @@
           <a:p>
             <a:fld id="{9B2CA86B-D2A5-1543-8396-0D0B2BBDC05D}" type="datetimeFigureOut">
               <a:rPr lang="en-US" smtClean="0"/>
-              <a:t>3/14/18</a:t>
+              <a:t>3/19/18</a:t>
             </a:fld>
             <a:endParaRPr lang="en-US"/>
           </a:p>
@@ -3255,7 +3254,7 @@
           <a:p>
             <a:fld id="{9B2CA86B-D2A5-1543-8396-0D0B2BBDC05D}" type="datetimeFigureOut">
               <a:rPr lang="en-US" smtClean="0"/>
-              <a:t>3/14/18</a:t>
+              <a:t>3/19/18</a:t>
             </a:fld>
             <a:endParaRPr lang="en-US"/>
           </a:p>
@@ -3350,7 +3349,7 @@
           <a:p>
             <a:fld id="{9B2CA86B-D2A5-1543-8396-0D0B2BBDC05D}" type="datetimeFigureOut">
               <a:rPr lang="en-US" smtClean="0"/>
-              <a:t>3/14/18</a:t>
+              <a:t>3/19/18</a:t>
             </a:fld>
             <a:endParaRPr lang="en-US"/>
           </a:p>
@@ -3625,7 +3624,7 @@
           <a:p>
             <a:fld id="{9B2CA86B-D2A5-1543-8396-0D0B2BBDC05D}" type="datetimeFigureOut">
               <a:rPr lang="en-US" smtClean="0"/>
-              <a:t>3/14/18</a:t>
+              <a:t>3/19/18</a:t>
             </a:fld>
             <a:endParaRPr lang="en-US"/>
           </a:p>
@@ -3877,7 +3876,7 @@
           <a:p>
             <a:fld id="{9B2CA86B-D2A5-1543-8396-0D0B2BBDC05D}" type="datetimeFigureOut">
               <a:rPr lang="en-US" smtClean="0"/>
-              <a:t>3/14/18</a:t>
+              <a:t>3/19/18</a:t>
             </a:fld>
             <a:endParaRPr lang="en-US"/>
           </a:p>
@@ -4088,7 +4087,7 @@
           <a:p>
             <a:fld id="{9B2CA86B-D2A5-1543-8396-0D0B2BBDC05D}" type="datetimeFigureOut">
               <a:rPr lang="en-US" smtClean="0"/>
-              <a:t>3/14/18</a:t>
+              <a:t>3/19/18</a:t>
             </a:fld>
             <a:endParaRPr lang="en-US"/>
           </a:p>
@@ -5483,7 +5482,7 @@
             </a:r>
             <a:r>
               <a:rPr lang="en-US" altLang="zh-Hans" dirty="0"/>
-              <a:t>12</a:t>
+              <a:t>19</a:t>
             </a:r>
             <a:r>
               <a:rPr lang="en-US" altLang="zh-CN" dirty="0"/>
@@ -8078,8 +8077,12 @@
           </a:p>
           <a:p>
             <a:r>
+              <a:rPr lang="en-US" altLang="zh-Hans" sz="2100"/>
+              <a:t>3/19/18</a:t>
+            </a:r>
+            <a:r>
               <a:rPr lang="en-US" altLang="zh-Hans" sz="2100" dirty="0"/>
-              <a:t>3/14/18:</a:t>
+              <a:t>:</a:t>
             </a:r>
           </a:p>
           <a:p>
@@ -9419,98 +9422,6 @@
     <p:extLst>
       <p:ext uri="{BB962C8B-B14F-4D97-AF65-F5344CB8AC3E}">
         <p14:creationId xmlns:p14="http://schemas.microsoft.com/office/powerpoint/2010/main" val="357280753"/>
-      </p:ext>
-    </p:extLst>
-  </p:cSld>
-  <p:clrMapOvr>
-    <a:masterClrMapping/>
-  </p:clrMapOvr>
-  <p:transition spd="slow"/>
-</p:sld>
-</file>
-
-<file path=ppt/slides/slide19.xml><?xml version="1.0" encoding="utf-8"?>
-<p:sld xmlns:a="http://schemas.openxmlformats.org/drawingml/2006/main" xmlns:r="http://schemas.openxmlformats.org/officeDocument/2006/relationships" xmlns:p="http://schemas.openxmlformats.org/presentationml/2006/main">
-  <p:cSld>
-    <p:spTree>
-      <p:nvGrpSpPr>
-        <p:cNvPr id="1" name=""/>
-        <p:cNvGrpSpPr/>
-        <p:nvPr/>
-      </p:nvGrpSpPr>
-      <p:grpSpPr>
-        <a:xfrm>
-          <a:off x="0" y="0"/>
-          <a:ext cx="0" cy="0"/>
-          <a:chOff x="0" y="0"/>
-          <a:chExt cx="0" cy="0"/>
-        </a:xfrm>
-      </p:grpSpPr>
-      <p:sp>
-        <p:nvSpPr>
-          <p:cNvPr id="2" name="Title 1">
-            <a:extLst>
-              <a:ext uri="{FF2B5EF4-FFF2-40B4-BE49-F238E27FC236}">
-                <a16:creationId xmlns:a16="http://schemas.microsoft.com/office/drawing/2014/main" id="{F8DF227D-9E06-D94A-8889-61C473BBC0F8}"/>
-              </a:ext>
-            </a:extLst>
-          </p:cNvPr>
-          <p:cNvSpPr>
-            <a:spLocks noGrp="1"/>
-          </p:cNvSpPr>
-          <p:nvPr>
-            <p:ph type="title"/>
-          </p:nvPr>
-        </p:nvSpPr>
-        <p:spPr/>
-        <p:txBody>
-          <a:bodyPr/>
-          <a:lstStyle/>
-          <a:p>
-            <a:r>
-              <a:rPr lang="en-US" dirty="0"/>
-              <a:t>Insert </a:t>
-            </a:r>
-            <a:r>
-              <a:rPr lang="en-US" dirty="0" err="1"/>
-              <a:t>Ujwal’s</a:t>
-            </a:r>
-            <a:r>
-              <a:rPr lang="en-US" dirty="0"/>
-              <a:t> Hadoop/Hive Evaluation</a:t>
-            </a:r>
-          </a:p>
-        </p:txBody>
-      </p:sp>
-      <p:sp>
-        <p:nvSpPr>
-          <p:cNvPr id="3" name="Content Placeholder 2">
-            <a:extLst>
-              <a:ext uri="{FF2B5EF4-FFF2-40B4-BE49-F238E27FC236}">
-                <a16:creationId xmlns:a16="http://schemas.microsoft.com/office/drawing/2014/main" id="{A489C2E5-39F8-3B4B-AB18-DE53B0DDB440}"/>
-              </a:ext>
-            </a:extLst>
-          </p:cNvPr>
-          <p:cNvSpPr>
-            <a:spLocks noGrp="1"/>
-          </p:cNvSpPr>
-          <p:nvPr>
-            <p:ph idx="12"/>
-          </p:nvPr>
-        </p:nvSpPr>
-        <p:spPr/>
-        <p:txBody>
-          <a:bodyPr/>
-          <a:lstStyle/>
-          <a:p>
-            <a:endParaRPr lang="en-US" dirty="0"/>
-          </a:p>
-        </p:txBody>
-      </p:sp>
-    </p:spTree>
-    <p:extLst>
-      <p:ext uri="{BB962C8B-B14F-4D97-AF65-F5344CB8AC3E}">
-        <p14:creationId xmlns:p14="http://schemas.microsoft.com/office/powerpoint/2010/main" val="551879412"/>
       </p:ext>
     </p:extLst>
   </p:cSld>

--- a/Stage_2/Analytics Server, Data Management & Storage_v3.pptx
+++ b/Stage_2/Analytics Server, Data Management & Storage_v3.pptx
@@ -6,7 +6,7 @@
     <p:sldMasterId id="2147483660" r:id="rId2"/>
   </p:sldMasterIdLst>
   <p:notesMasterIdLst>
-    <p:notesMasterId r:id="rId21"/>
+    <p:notesMasterId r:id="rId23"/>
   </p:notesMasterIdLst>
   <p:sldIdLst>
     <p:sldId id="256" r:id="rId3"/>
@@ -23,10 +23,12 @@
     <p:sldId id="285" r:id="rId14"/>
     <p:sldId id="271" r:id="rId15"/>
     <p:sldId id="289" r:id="rId16"/>
-    <p:sldId id="272" r:id="rId17"/>
-    <p:sldId id="286" r:id="rId18"/>
-    <p:sldId id="274" r:id="rId19"/>
-    <p:sldId id="273" r:id="rId20"/>
+    <p:sldId id="290" r:id="rId17"/>
+    <p:sldId id="272" r:id="rId18"/>
+    <p:sldId id="286" r:id="rId19"/>
+    <p:sldId id="274" r:id="rId20"/>
+    <p:sldId id="273" r:id="rId21"/>
+    <p:sldId id="291" r:id="rId22"/>
   </p:sldIdLst>
   <p:sldSz cx="12192000" cy="6858000"/>
   <p:notesSz cx="6858000" cy="9144000"/>
@@ -215,7 +217,7 @@
           <a:p>
             <a:fld id="{78D8ED23-43D8-D94F-A5DC-C0F7F3E11FBC}" type="datetimeFigureOut">
               <a:rPr lang="en-US" smtClean="0"/>
-              <a:t>3/19/18</a:t>
+              <a:t>4/26/18</a:t>
             </a:fld>
             <a:endParaRPr lang="en-US"/>
           </a:p>
@@ -611,7 +613,7 @@
           <a:p>
             <a:fld id="{9B2CA86B-D2A5-1543-8396-0D0B2BBDC05D}" type="datetimeFigureOut">
               <a:rPr lang="en-US" smtClean="0"/>
-              <a:t>3/19/18</a:t>
+              <a:t>4/26/18</a:t>
             </a:fld>
             <a:endParaRPr lang="en-US"/>
           </a:p>
@@ -779,7 +781,7 @@
           <a:p>
             <a:fld id="{9B2CA86B-D2A5-1543-8396-0D0B2BBDC05D}" type="datetimeFigureOut">
               <a:rPr lang="en-US" smtClean="0"/>
-              <a:t>3/19/18</a:t>
+              <a:t>4/26/18</a:t>
             </a:fld>
             <a:endParaRPr lang="en-US"/>
           </a:p>
@@ -957,7 +959,7 @@
           <a:p>
             <a:fld id="{9B2CA86B-D2A5-1543-8396-0D0B2BBDC05D}" type="datetimeFigureOut">
               <a:rPr lang="en-US" smtClean="0"/>
-              <a:t>3/19/18</a:t>
+              <a:t>4/26/18</a:t>
             </a:fld>
             <a:endParaRPr lang="en-US"/>
           </a:p>
@@ -2299,7 +2301,7 @@
           <a:p>
             <a:fld id="{9B2CA86B-D2A5-1543-8396-0D0B2BBDC05D}" type="datetimeFigureOut">
               <a:rPr lang="en-US" smtClean="0"/>
-              <a:t>3/19/18</a:t>
+              <a:t>4/26/18</a:t>
             </a:fld>
             <a:endParaRPr lang="en-US"/>
           </a:p>
@@ -2544,7 +2546,7 @@
           <a:p>
             <a:fld id="{9B2CA86B-D2A5-1543-8396-0D0B2BBDC05D}" type="datetimeFigureOut">
               <a:rPr lang="en-US" smtClean="0"/>
-              <a:t>3/19/18</a:t>
+              <a:t>4/26/18</a:t>
             </a:fld>
             <a:endParaRPr lang="en-US"/>
           </a:p>
@@ -2773,7 +2775,7 @@
           <a:p>
             <a:fld id="{9B2CA86B-D2A5-1543-8396-0D0B2BBDC05D}" type="datetimeFigureOut">
               <a:rPr lang="en-US" smtClean="0"/>
-              <a:t>3/19/18</a:t>
+              <a:t>4/26/18</a:t>
             </a:fld>
             <a:endParaRPr lang="en-US"/>
           </a:p>
@@ -3137,7 +3139,7 @@
           <a:p>
             <a:fld id="{9B2CA86B-D2A5-1543-8396-0D0B2BBDC05D}" type="datetimeFigureOut">
               <a:rPr lang="en-US" smtClean="0"/>
-              <a:t>3/19/18</a:t>
+              <a:t>4/26/18</a:t>
             </a:fld>
             <a:endParaRPr lang="en-US"/>
           </a:p>
@@ -3254,7 +3256,7 @@
           <a:p>
             <a:fld id="{9B2CA86B-D2A5-1543-8396-0D0B2BBDC05D}" type="datetimeFigureOut">
               <a:rPr lang="en-US" smtClean="0"/>
-              <a:t>3/19/18</a:t>
+              <a:t>4/26/18</a:t>
             </a:fld>
             <a:endParaRPr lang="en-US"/>
           </a:p>
@@ -3349,7 +3351,7 @@
           <a:p>
             <a:fld id="{9B2CA86B-D2A5-1543-8396-0D0B2BBDC05D}" type="datetimeFigureOut">
               <a:rPr lang="en-US" smtClean="0"/>
-              <a:t>3/19/18</a:t>
+              <a:t>4/26/18</a:t>
             </a:fld>
             <a:endParaRPr lang="en-US"/>
           </a:p>
@@ -3624,7 +3626,7 @@
           <a:p>
             <a:fld id="{9B2CA86B-D2A5-1543-8396-0D0B2BBDC05D}" type="datetimeFigureOut">
               <a:rPr lang="en-US" smtClean="0"/>
-              <a:t>3/19/18</a:t>
+              <a:t>4/26/18</a:t>
             </a:fld>
             <a:endParaRPr lang="en-US"/>
           </a:p>
@@ -3876,7 +3878,7 @@
           <a:p>
             <a:fld id="{9B2CA86B-D2A5-1543-8396-0D0B2BBDC05D}" type="datetimeFigureOut">
               <a:rPr lang="en-US" smtClean="0"/>
-              <a:t>3/19/18</a:t>
+              <a:t>4/26/18</a:t>
             </a:fld>
             <a:endParaRPr lang="en-US"/>
           </a:p>
@@ -4087,7 +4089,7 @@
           <a:p>
             <a:fld id="{9B2CA86B-D2A5-1543-8396-0D0B2BBDC05D}" type="datetimeFigureOut">
               <a:rPr lang="en-US" smtClean="0"/>
-              <a:t>3/19/18</a:t>
+              <a:t>4/26/18</a:t>
             </a:fld>
             <a:endParaRPr lang="en-US"/>
           </a:p>
@@ -5474,15 +5476,7 @@
           <a:p>
             <a:r>
               <a:rPr lang="en-US" altLang="zh-Hans" dirty="0"/>
-              <a:t>March</a:t>
-            </a:r>
-            <a:r>
-              <a:rPr lang="zh-Hans" altLang="en-US" dirty="0"/>
-              <a:t> </a:t>
-            </a:r>
-            <a:r>
-              <a:rPr lang="en-US" altLang="zh-Hans" dirty="0"/>
-              <a:t>19</a:t>
+              <a:t>April 13</a:t>
             </a:r>
             <a:r>
               <a:rPr lang="en-US" altLang="zh-CN" dirty="0"/>
@@ -8077,12 +8071,8 @@
           </a:p>
           <a:p>
             <a:r>
-              <a:rPr lang="en-US" altLang="zh-Hans" sz="2100"/>
-              <a:t>3/19/18</a:t>
-            </a:r>
-            <a:r>
               <a:rPr lang="en-US" altLang="zh-Hans" sz="2100" dirty="0"/>
-              <a:t>:</a:t>
+              <a:t>3/19/18:</a:t>
             </a:r>
           </a:p>
           <a:p>
@@ -8320,8 +8310,24 @@
             </a:r>
           </a:p>
           <a:p>
+            <a:r>
+              <a:rPr lang="en-US" altLang="zh-Hans" sz="1900" dirty="0"/>
+              <a:t>4/13/18: confirmed with Dino regarding Python version and server specs</a:t>
+            </a:r>
+          </a:p>
+          <a:p>
             <a:pPr lvl="1"/>
-            <a:endParaRPr lang="en-US" altLang="zh-Hans" sz="1800" dirty="0"/>
+            <a:r>
+              <a:rPr lang="en-US" altLang="zh-Hans" sz="1800" dirty="0"/>
+              <a:t>Python version 3.6</a:t>
+            </a:r>
+          </a:p>
+          <a:p>
+            <a:pPr lvl="1"/>
+            <a:r>
+              <a:rPr lang="en-US" altLang="zh-Hans" sz="1800" dirty="0"/>
+              <a:t>24 cores, 512 GB of memory</a:t>
+            </a:r>
           </a:p>
           <a:p>
             <a:pPr lvl="2"/>
@@ -8390,7 +8396,7 @@
           <p:cNvPr id="2" name="Title 1">
             <a:extLst>
               <a:ext uri="{FF2B5EF4-FFF2-40B4-BE49-F238E27FC236}">
-                <a16:creationId xmlns:a16="http://schemas.microsoft.com/office/drawing/2014/main" id="{F6BA4360-EC12-46A3-8207-F919FB48FC2B}"/>
+                <a16:creationId xmlns:a16="http://schemas.microsoft.com/office/drawing/2014/main" id="{8B5A1752-A08C-44C2-8AD2-8FF80DEC8904}"/>
               </a:ext>
             </a:extLst>
           </p:cNvPr>
@@ -8401,19 +8407,38 @@
             <p:ph type="title"/>
           </p:nvPr>
         </p:nvSpPr>
-        <p:spPr>
-          <a:xfrm>
-            <a:off x="609600" y="490118"/>
-            <a:ext cx="10972800" cy="670468"/>
-          </a:xfrm>
-        </p:spPr>
+        <p:spPr/>
         <p:txBody>
           <a:bodyPr/>
           <a:lstStyle/>
           <a:p>
             <a:r>
-              <a:rPr lang="en-US" sz="3200" dirty="0"/>
-              <a:t>Short and Long Term Approaches for Data Management and Storage</a:t>
+              <a:rPr lang="en-US" altLang="zh-Hans" sz="3600" dirty="0"/>
+              <a:t>Timeline</a:t>
+            </a:r>
+            <a:r>
+              <a:rPr lang="zh-Hans" altLang="en-US" sz="3600" dirty="0"/>
+              <a:t> </a:t>
+            </a:r>
+            <a:r>
+              <a:rPr lang="en-US" sz="3600" dirty="0"/>
+              <a:t>- “SANDBOX”</a:t>
+            </a:r>
+            <a:r>
+              <a:rPr lang="zh-Hans" altLang="en-US" sz="3600" dirty="0"/>
+              <a:t> （</a:t>
+            </a:r>
+            <a:r>
+              <a:rPr lang="en-US" altLang="zh-Hans" sz="3600" dirty="0"/>
+              <a:t>3131</a:t>
+            </a:r>
+            <a:r>
+              <a:rPr lang="zh-Hans" altLang="en-US" sz="3600" dirty="0"/>
+              <a:t>）</a:t>
+            </a:r>
+            <a:r>
+              <a:rPr lang="en-US" sz="3600" dirty="0"/>
+              <a:t> server</a:t>
             </a:r>
           </a:p>
         </p:txBody>
@@ -8423,7 +8448,7 @@
           <p:cNvPr id="3" name="Content Placeholder 2">
             <a:extLst>
               <a:ext uri="{FF2B5EF4-FFF2-40B4-BE49-F238E27FC236}">
-                <a16:creationId xmlns:a16="http://schemas.microsoft.com/office/drawing/2014/main" id="{E19BE8AC-DB9E-4F48-B0A2-91DF8ADC672A}"/>
+                <a16:creationId xmlns:a16="http://schemas.microsoft.com/office/drawing/2014/main" id="{0D23F410-9370-493C-A9C8-9F60A4AF60E2}"/>
               </a:ext>
             </a:extLst>
           </p:cNvPr>
@@ -8436,191 +8461,82 @@
         </p:nvSpPr>
         <p:spPr>
           <a:xfrm>
-            <a:off x="609600" y="1644161"/>
-            <a:ext cx="10972800" cy="4545623"/>
+            <a:off x="609600" y="1302954"/>
+            <a:ext cx="10972800" cy="5212145"/>
           </a:xfrm>
         </p:spPr>
         <p:txBody>
           <a:bodyPr/>
           <a:lstStyle/>
           <a:p>
-            <a:endParaRPr lang="en-US" sz="2000" b="1" dirty="0"/>
-          </a:p>
-          <a:p>
-            <a:r>
-              <a:rPr lang="en-US" sz="2000" b="1" dirty="0"/>
-              <a:t>Short Term Approaches</a:t>
-            </a:r>
+            <a:r>
+              <a:rPr lang="en-US" altLang="zh-Hans" sz="2100" dirty="0"/>
+              <a:t>4/24/18:</a:t>
+            </a:r>
+          </a:p>
+          <a:p>
+            <a:pPr lvl="1"/>
+            <a:r>
+              <a:rPr lang="en-US" altLang="zh-Hans" sz="1800" dirty="0"/>
+              <a:t>Folder structure guideline version 1 completed and uploaded to Box</a:t>
+            </a:r>
+          </a:p>
+          <a:p>
+            <a:pPr lvl="1"/>
+            <a:endParaRPr lang="en-US" altLang="zh-Hans" sz="1800" dirty="0"/>
+          </a:p>
+          <a:p>
+            <a:r>
+              <a:rPr lang="en-US" altLang="zh-Hans" sz="2100" dirty="0"/>
+              <a:t>4/26/18:</a:t>
+            </a:r>
+          </a:p>
+          <a:p>
+            <a:pPr lvl="1"/>
+            <a:r>
+              <a:rPr lang="en-US" altLang="zh-Hans" sz="1800" dirty="0"/>
+              <a:t>‘ACE’ folder on 3131 and 0852 is now a shared folder on </a:t>
+            </a:r>
+            <a:r>
+              <a:rPr lang="en-US" altLang="zh-Hans" sz="1800"/>
+              <a:t>both server</a:t>
+            </a:r>
+            <a:endParaRPr lang="en-US" altLang="zh-Hans" sz="1800" dirty="0"/>
+          </a:p>
+          <a:p>
+            <a:endParaRPr lang="en-US" altLang="zh-Hans" sz="900" dirty="0"/>
+          </a:p>
+          <a:p>
+            <a:pPr lvl="1"/>
+            <a:endParaRPr lang="en-US" sz="1200" dirty="0"/>
+          </a:p>
+          <a:p>
             <a:endParaRPr lang="en-US" sz="1800" dirty="0"/>
           </a:p>
           <a:p>
-            <a:pPr lvl="1"/>
-            <a:r>
-              <a:rPr lang="en-US" sz="1800" dirty="0"/>
-              <a:t>Copy all needed data to 3131 server - MarketScan, SAF</a:t>
-            </a:r>
-            <a:r>
-              <a:rPr lang="en-US" altLang="zh-Hans" sz="1800" dirty="0"/>
-              <a:t>,</a:t>
-            </a:r>
-            <a:r>
-              <a:rPr lang="zh-Hans" altLang="en-US" sz="1800" dirty="0"/>
-              <a:t> </a:t>
-            </a:r>
-            <a:r>
-              <a:rPr lang="en-US" altLang="zh-Hans" sz="1800" dirty="0"/>
-              <a:t>and</a:t>
-            </a:r>
-            <a:r>
-              <a:rPr lang="en-US" sz="1800" dirty="0"/>
-              <a:t> etc. with appropriate approvals from Data Governance </a:t>
-            </a:r>
-          </a:p>
-          <a:p>
-            <a:pPr lvl="1"/>
-            <a:r>
-              <a:rPr lang="en-US" sz="1800" dirty="0"/>
-              <a:t>Run SAS queries on 0852 or 1465 servers, create csv files and SCP to 3131 for analytic work, again with appropriate approvals from Data Governance</a:t>
-            </a:r>
-          </a:p>
-          <a:p>
-            <a:pPr lvl="1"/>
-            <a:endParaRPr lang="en-US" sz="1500" dirty="0"/>
-          </a:p>
-          <a:p>
-            <a:r>
-              <a:rPr lang="en-US" sz="2000" b="1" dirty="0"/>
-              <a:t>Medium to Long Term approaches</a:t>
-            </a:r>
-            <a:endParaRPr lang="en-US" sz="1800" b="1" dirty="0"/>
-          </a:p>
-          <a:p>
-            <a:pPr lvl="1"/>
-            <a:r>
-              <a:rPr lang="en-US" sz="1800" dirty="0"/>
-              <a:t>Network-attached storage (</a:t>
-            </a:r>
-            <a:r>
-              <a:rPr lang="en-US" sz="1800" b="1" dirty="0"/>
-              <a:t>NAS</a:t>
-            </a:r>
-            <a:r>
-              <a:rPr lang="en-US" sz="1800" dirty="0"/>
-              <a:t>)</a:t>
-            </a:r>
-            <a:r>
-              <a:rPr lang="en-US" altLang="zh-Hans" sz="1800" dirty="0"/>
-              <a:t>:</a:t>
-            </a:r>
-            <a:r>
-              <a:rPr lang="zh-Hans" altLang="en-US" sz="1800" dirty="0"/>
-              <a:t> </a:t>
-            </a:r>
-            <a:r>
-              <a:rPr lang="en-US" altLang="zh-Hans" sz="1800" dirty="0"/>
-              <a:t>a</a:t>
-            </a:r>
-            <a:r>
-              <a:rPr lang="en-US" sz="1800" dirty="0"/>
-              <a:t> Network Attached Storage (</a:t>
-            </a:r>
-            <a:r>
-              <a:rPr lang="en-US" sz="1800" b="1" dirty="0"/>
-              <a:t>NAS</a:t>
-            </a:r>
-            <a:r>
-              <a:rPr lang="en-US" sz="1800" dirty="0"/>
-              <a:t>) device is a storage device connected to a network that allows storage and retrieval of data from a centralized location for authorized network users. </a:t>
-            </a:r>
-          </a:p>
-          <a:p>
-            <a:pPr lvl="2"/>
-            <a:r>
-              <a:rPr lang="en-US" sz="1500" dirty="0"/>
-              <a:t>The idea is to have a copy of MarketScan, SAF data</a:t>
-            </a:r>
-            <a:r>
-              <a:rPr lang="en-US" altLang="zh-Hans" sz="1500" dirty="0"/>
-              <a:t>,</a:t>
-            </a:r>
-            <a:r>
-              <a:rPr lang="zh-Hans" altLang="en-US" sz="1500" dirty="0"/>
-              <a:t> </a:t>
-            </a:r>
-            <a:r>
-              <a:rPr lang="en-US" altLang="zh-Hans" sz="1500" dirty="0"/>
-              <a:t>and</a:t>
-            </a:r>
-            <a:r>
-              <a:rPr lang="en-US" sz="1500" dirty="0"/>
-              <a:t> etc.</a:t>
-            </a:r>
-            <a:r>
-              <a:rPr lang="en-US" altLang="zh-Hans" sz="1500" dirty="0"/>
-              <a:t>,</a:t>
-            </a:r>
-            <a:r>
-              <a:rPr lang="zh-Hans" altLang="en-US" sz="1500" dirty="0"/>
-              <a:t> </a:t>
-            </a:r>
-            <a:r>
-              <a:rPr lang="en-US" sz="1500" dirty="0"/>
-              <a:t>onto the </a:t>
-            </a:r>
-            <a:r>
-              <a:rPr lang="en-US" sz="1500" b="1" dirty="0"/>
-              <a:t>NAS</a:t>
-            </a:r>
-            <a:r>
-              <a:rPr lang="en-US" sz="1500" dirty="0"/>
-              <a:t> so that all the users in ACE team can access those files. </a:t>
-            </a:r>
-          </a:p>
-          <a:p>
-            <a:pPr lvl="2"/>
-            <a:r>
-              <a:rPr lang="en-US" sz="1500" dirty="0"/>
-              <a:t>One of the main advantage is we can access the files from any Truven servers (0852,</a:t>
-            </a:r>
-            <a:r>
-              <a:rPr lang="zh-Hans" altLang="en-US" sz="1500" dirty="0"/>
-              <a:t> </a:t>
-            </a:r>
-            <a:r>
-              <a:rPr lang="en-US" sz="1500" dirty="0"/>
-              <a:t>3131,</a:t>
-            </a:r>
-            <a:r>
-              <a:rPr lang="zh-Hans" altLang="en-US" sz="1500" dirty="0"/>
-              <a:t> </a:t>
-            </a:r>
-            <a:r>
-              <a:rPr lang="en-US" sz="1500" dirty="0"/>
-              <a:t>1465 </a:t>
-            </a:r>
-            <a:r>
-              <a:rPr lang="en-US" altLang="zh-Hans" sz="1500" dirty="0"/>
-              <a:t>and</a:t>
-            </a:r>
-            <a:r>
-              <a:rPr lang="zh-Hans" altLang="en-US" sz="1500" dirty="0"/>
-              <a:t> </a:t>
-            </a:r>
-            <a:r>
-              <a:rPr lang="en-US" sz="1500" dirty="0"/>
-              <a:t>etc.).</a:t>
-            </a:r>
-            <a:endParaRPr lang="en-US" sz="1500" b="1" dirty="0"/>
-          </a:p>
-          <a:p>
-            <a:endParaRPr lang="en-US" dirty="0"/>
+            <a:endParaRPr lang="en-US" sz="1800" dirty="0"/>
+          </a:p>
+          <a:p>
+            <a:endParaRPr lang="en-US" sz="1800" dirty="0"/>
+          </a:p>
+          <a:p>
+            <a:endParaRPr lang="en-US" sz="1800" dirty="0"/>
+          </a:p>
+          <a:p>
+            <a:endParaRPr lang="en-US" sz="1800" dirty="0"/>
+          </a:p>
+          <a:p>
+            <a:endParaRPr lang="en-US" sz="1800" dirty="0"/>
+          </a:p>
+          <a:p>
+            <a:endParaRPr lang="en-US" sz="1800" dirty="0"/>
           </a:p>
         </p:txBody>
       </p:sp>
     </p:spTree>
     <p:extLst>
       <p:ext uri="{BB962C8B-B14F-4D97-AF65-F5344CB8AC3E}">
-        <p14:creationId xmlns:p14="http://schemas.microsoft.com/office/powerpoint/2010/main" val="3425261029"/>
+        <p14:creationId xmlns:p14="http://schemas.microsoft.com/office/powerpoint/2010/main" val="318920957"/>
       </p:ext>
     </p:extLst>
   </p:cSld>
@@ -8676,6 +8592,269 @@
           <a:p>
             <a:r>
               <a:rPr lang="en-US" sz="3200" dirty="0"/>
+              <a:t>Short and Long Term Approaches for Data Management and Storage</a:t>
+            </a:r>
+          </a:p>
+        </p:txBody>
+      </p:sp>
+      <p:sp>
+        <p:nvSpPr>
+          <p:cNvPr id="3" name="Content Placeholder 2">
+            <a:extLst>
+              <a:ext uri="{FF2B5EF4-FFF2-40B4-BE49-F238E27FC236}">
+                <a16:creationId xmlns:a16="http://schemas.microsoft.com/office/drawing/2014/main" id="{E19BE8AC-DB9E-4F48-B0A2-91DF8ADC672A}"/>
+              </a:ext>
+            </a:extLst>
+          </p:cNvPr>
+          <p:cNvSpPr>
+            <a:spLocks noGrp="1"/>
+          </p:cNvSpPr>
+          <p:nvPr>
+            <p:ph idx="12"/>
+          </p:nvPr>
+        </p:nvSpPr>
+        <p:spPr>
+          <a:xfrm>
+            <a:off x="609600" y="1644161"/>
+            <a:ext cx="10972800" cy="4545623"/>
+          </a:xfrm>
+        </p:spPr>
+        <p:txBody>
+          <a:bodyPr/>
+          <a:lstStyle/>
+          <a:p>
+            <a:endParaRPr lang="en-US" sz="2000" b="1" dirty="0"/>
+          </a:p>
+          <a:p>
+            <a:r>
+              <a:rPr lang="en-US" sz="2000" b="1" dirty="0"/>
+              <a:t>Short Term Approaches</a:t>
+            </a:r>
+            <a:endParaRPr lang="en-US" sz="1800" dirty="0"/>
+          </a:p>
+          <a:p>
+            <a:pPr lvl="1"/>
+            <a:r>
+              <a:rPr lang="en-US" sz="1800" dirty="0"/>
+              <a:t>Copy all needed data to 3131 server - MarketScan, SAF</a:t>
+            </a:r>
+            <a:r>
+              <a:rPr lang="en-US" altLang="zh-Hans" sz="1800" dirty="0"/>
+              <a:t>,</a:t>
+            </a:r>
+            <a:r>
+              <a:rPr lang="zh-Hans" altLang="en-US" sz="1800" dirty="0"/>
+              <a:t> </a:t>
+            </a:r>
+            <a:r>
+              <a:rPr lang="en-US" altLang="zh-Hans" sz="1800" dirty="0"/>
+              <a:t>and</a:t>
+            </a:r>
+            <a:r>
+              <a:rPr lang="en-US" sz="1800" dirty="0"/>
+              <a:t> etc. with appropriate approvals from Data Governance </a:t>
+            </a:r>
+          </a:p>
+          <a:p>
+            <a:pPr lvl="1"/>
+            <a:r>
+              <a:rPr lang="en-US" sz="1800" dirty="0"/>
+              <a:t>Run SAS queries on 0852 or 1465 servers, create csv files and SCP to 3131 for analytic work, again with appropriate approvals from Data Governance</a:t>
+            </a:r>
+          </a:p>
+          <a:p>
+            <a:pPr lvl="1"/>
+            <a:endParaRPr lang="en-US" sz="1500" dirty="0"/>
+          </a:p>
+          <a:p>
+            <a:r>
+              <a:rPr lang="en-US" sz="2000" b="1" dirty="0"/>
+              <a:t>Medium to Long Term approaches</a:t>
+            </a:r>
+            <a:endParaRPr lang="en-US" sz="1800" b="1" dirty="0"/>
+          </a:p>
+          <a:p>
+            <a:pPr lvl="1"/>
+            <a:r>
+              <a:rPr lang="en-US" sz="1800" dirty="0"/>
+              <a:t>Network-attached storage (</a:t>
+            </a:r>
+            <a:r>
+              <a:rPr lang="en-US" sz="1800" b="1" dirty="0"/>
+              <a:t>NAS</a:t>
+            </a:r>
+            <a:r>
+              <a:rPr lang="en-US" sz="1800" dirty="0"/>
+              <a:t>)</a:t>
+            </a:r>
+            <a:r>
+              <a:rPr lang="en-US" altLang="zh-Hans" sz="1800" dirty="0"/>
+              <a:t>:</a:t>
+            </a:r>
+            <a:r>
+              <a:rPr lang="zh-Hans" altLang="en-US" sz="1800" dirty="0"/>
+              <a:t> </a:t>
+            </a:r>
+            <a:r>
+              <a:rPr lang="en-US" altLang="zh-Hans" sz="1800" dirty="0"/>
+              <a:t>a</a:t>
+            </a:r>
+            <a:r>
+              <a:rPr lang="en-US" sz="1800" dirty="0"/>
+              <a:t> Network Attached Storage (</a:t>
+            </a:r>
+            <a:r>
+              <a:rPr lang="en-US" sz="1800" b="1" dirty="0"/>
+              <a:t>NAS</a:t>
+            </a:r>
+            <a:r>
+              <a:rPr lang="en-US" sz="1800" dirty="0"/>
+              <a:t>) device is a storage device connected to a network that allows storage and retrieval of data from a centralized location for authorized network users. </a:t>
+            </a:r>
+          </a:p>
+          <a:p>
+            <a:pPr lvl="2"/>
+            <a:r>
+              <a:rPr lang="en-US" sz="1500" dirty="0"/>
+              <a:t>The idea is to have a copy of MarketScan, SAF data</a:t>
+            </a:r>
+            <a:r>
+              <a:rPr lang="en-US" altLang="zh-Hans" sz="1500" dirty="0"/>
+              <a:t>,</a:t>
+            </a:r>
+            <a:r>
+              <a:rPr lang="zh-Hans" altLang="en-US" sz="1500" dirty="0"/>
+              <a:t> </a:t>
+            </a:r>
+            <a:r>
+              <a:rPr lang="en-US" altLang="zh-Hans" sz="1500" dirty="0"/>
+              <a:t>and</a:t>
+            </a:r>
+            <a:r>
+              <a:rPr lang="en-US" sz="1500" dirty="0"/>
+              <a:t> etc.</a:t>
+            </a:r>
+            <a:r>
+              <a:rPr lang="en-US" altLang="zh-Hans" sz="1500" dirty="0"/>
+              <a:t>,</a:t>
+            </a:r>
+            <a:r>
+              <a:rPr lang="zh-Hans" altLang="en-US" sz="1500" dirty="0"/>
+              <a:t> </a:t>
+            </a:r>
+            <a:r>
+              <a:rPr lang="en-US" sz="1500" dirty="0"/>
+              <a:t>onto the </a:t>
+            </a:r>
+            <a:r>
+              <a:rPr lang="en-US" sz="1500" b="1" dirty="0"/>
+              <a:t>NAS</a:t>
+            </a:r>
+            <a:r>
+              <a:rPr lang="en-US" sz="1500" dirty="0"/>
+              <a:t> so that all the users in ACE team can access those files. </a:t>
+            </a:r>
+          </a:p>
+          <a:p>
+            <a:pPr lvl="2"/>
+            <a:r>
+              <a:rPr lang="en-US" sz="1500" dirty="0"/>
+              <a:t>One of the main advantage is we can access the files from any Truven servers (0852,</a:t>
+            </a:r>
+            <a:r>
+              <a:rPr lang="zh-Hans" altLang="en-US" sz="1500" dirty="0"/>
+              <a:t> </a:t>
+            </a:r>
+            <a:r>
+              <a:rPr lang="en-US" sz="1500" dirty="0"/>
+              <a:t>3131,</a:t>
+            </a:r>
+            <a:r>
+              <a:rPr lang="zh-Hans" altLang="en-US" sz="1500" dirty="0"/>
+              <a:t> </a:t>
+            </a:r>
+            <a:r>
+              <a:rPr lang="en-US" sz="1500" dirty="0"/>
+              <a:t>1465 </a:t>
+            </a:r>
+            <a:r>
+              <a:rPr lang="en-US" altLang="zh-Hans" sz="1500" dirty="0"/>
+              <a:t>and</a:t>
+            </a:r>
+            <a:r>
+              <a:rPr lang="zh-Hans" altLang="en-US" sz="1500" dirty="0"/>
+              <a:t> </a:t>
+            </a:r>
+            <a:r>
+              <a:rPr lang="en-US" sz="1500" dirty="0"/>
+              <a:t>etc.).</a:t>
+            </a:r>
+            <a:endParaRPr lang="en-US" sz="1500" b="1" dirty="0"/>
+          </a:p>
+          <a:p>
+            <a:endParaRPr lang="en-US" dirty="0"/>
+          </a:p>
+        </p:txBody>
+      </p:sp>
+    </p:spTree>
+    <p:extLst>
+      <p:ext uri="{BB962C8B-B14F-4D97-AF65-F5344CB8AC3E}">
+        <p14:creationId xmlns:p14="http://schemas.microsoft.com/office/powerpoint/2010/main" val="3425261029"/>
+      </p:ext>
+    </p:extLst>
+  </p:cSld>
+  <p:clrMapOvr>
+    <a:masterClrMapping/>
+  </p:clrMapOvr>
+  <p:transition spd="slow"/>
+</p:sld>
+</file>
+
+<file path=ppt/slides/slide17.xml><?xml version="1.0" encoding="utf-8"?>
+<p:sld xmlns:a="http://schemas.openxmlformats.org/drawingml/2006/main" xmlns:r="http://schemas.openxmlformats.org/officeDocument/2006/relationships" xmlns:p="http://schemas.openxmlformats.org/presentationml/2006/main">
+  <p:cSld>
+    <p:spTree>
+      <p:nvGrpSpPr>
+        <p:cNvPr id="1" name=""/>
+        <p:cNvGrpSpPr/>
+        <p:nvPr/>
+      </p:nvGrpSpPr>
+      <p:grpSpPr>
+        <a:xfrm>
+          <a:off x="0" y="0"/>
+          <a:ext cx="0" cy="0"/>
+          <a:chOff x="0" y="0"/>
+          <a:chExt cx="0" cy="0"/>
+        </a:xfrm>
+      </p:grpSpPr>
+      <p:sp>
+        <p:nvSpPr>
+          <p:cNvPr id="2" name="Title 1">
+            <a:extLst>
+              <a:ext uri="{FF2B5EF4-FFF2-40B4-BE49-F238E27FC236}">
+                <a16:creationId xmlns:a16="http://schemas.microsoft.com/office/drawing/2014/main" id="{F6BA4360-EC12-46A3-8207-F919FB48FC2B}"/>
+              </a:ext>
+            </a:extLst>
+          </p:cNvPr>
+          <p:cNvSpPr>
+            <a:spLocks noGrp="1"/>
+          </p:cNvSpPr>
+          <p:nvPr>
+            <p:ph type="title"/>
+          </p:nvPr>
+        </p:nvSpPr>
+        <p:spPr>
+          <a:xfrm>
+            <a:off x="609600" y="490118"/>
+            <a:ext cx="10972800" cy="670468"/>
+          </a:xfrm>
+        </p:spPr>
+        <p:txBody>
+          <a:bodyPr/>
+          <a:lstStyle/>
+          <a:p>
+            <a:r>
+              <a:rPr lang="en-US" sz="3200" dirty="0"/>
               <a:t>Short Approaches for Data Management and Storage</a:t>
             </a:r>
             <a:r>
@@ -9126,7 +9305,7 @@
 </p:sld>
 </file>
 
-<file path=ppt/slides/slide17.xml><?xml version="1.0" encoding="utf-8"?>
+<file path=ppt/slides/slide18.xml><?xml version="1.0" encoding="utf-8"?>
 <p:sld xmlns:a="http://schemas.openxmlformats.org/drawingml/2006/main" xmlns:r="http://schemas.openxmlformats.org/officeDocument/2006/relationships" xmlns:p="http://schemas.openxmlformats.org/presentationml/2006/main">
   <p:cSld>
     <p:spTree>
@@ -9323,7 +9502,7 @@
 </p:sld>
 </file>
 
-<file path=ppt/slides/slide18.xml><?xml version="1.0" encoding="utf-8"?>
+<file path=ppt/slides/slide19.xml><?xml version="1.0" encoding="utf-8"?>
 <p:sld xmlns:a="http://schemas.openxmlformats.org/drawingml/2006/main" xmlns:r="http://schemas.openxmlformats.org/officeDocument/2006/relationships" xmlns:p="http://schemas.openxmlformats.org/presentationml/2006/main">
   <p:cSld>
     <p:spTree>
@@ -9713,6 +9892,116 @@
     <p:extLst>
       <p:ext uri="{BB962C8B-B14F-4D97-AF65-F5344CB8AC3E}">
         <p14:creationId xmlns:p14="http://schemas.microsoft.com/office/powerpoint/2010/main" val="1061798343"/>
+      </p:ext>
+    </p:extLst>
+  </p:cSld>
+  <p:clrMapOvr>
+    <a:masterClrMapping/>
+  </p:clrMapOvr>
+  <p:transition spd="slow"/>
+</p:sld>
+</file>
+
+<file path=ppt/slides/slide20.xml><?xml version="1.0" encoding="utf-8"?>
+<p:sld xmlns:a="http://schemas.openxmlformats.org/drawingml/2006/main" xmlns:r="http://schemas.openxmlformats.org/officeDocument/2006/relationships" xmlns:p="http://schemas.openxmlformats.org/presentationml/2006/main">
+  <p:cSld>
+    <p:spTree>
+      <p:nvGrpSpPr>
+        <p:cNvPr id="1" name=""/>
+        <p:cNvGrpSpPr/>
+        <p:nvPr/>
+      </p:nvGrpSpPr>
+      <p:grpSpPr>
+        <a:xfrm>
+          <a:off x="0" y="0"/>
+          <a:ext cx="0" cy="0"/>
+          <a:chOff x="0" y="0"/>
+          <a:chExt cx="0" cy="0"/>
+        </a:xfrm>
+      </p:grpSpPr>
+      <p:sp>
+        <p:nvSpPr>
+          <p:cNvPr id="2" name="Title 1">
+            <a:extLst>
+              <a:ext uri="{FF2B5EF4-FFF2-40B4-BE49-F238E27FC236}">
+                <a16:creationId xmlns:a16="http://schemas.microsoft.com/office/drawing/2014/main" id="{8B5A1752-A08C-44C2-8AD2-8FF80DEC8904}"/>
+              </a:ext>
+            </a:extLst>
+          </p:cNvPr>
+          <p:cNvSpPr>
+            <a:spLocks noGrp="1"/>
+          </p:cNvSpPr>
+          <p:nvPr>
+            <p:ph type="title"/>
+          </p:nvPr>
+        </p:nvSpPr>
+        <p:spPr/>
+        <p:txBody>
+          <a:bodyPr/>
+          <a:lstStyle/>
+          <a:p>
+            <a:r>
+              <a:rPr lang="en-US" sz="3600" dirty="0"/>
+              <a:t>Maintenance </a:t>
+            </a:r>
+          </a:p>
+        </p:txBody>
+      </p:sp>
+      <p:sp>
+        <p:nvSpPr>
+          <p:cNvPr id="3" name="Content Placeholder 2">
+            <a:extLst>
+              <a:ext uri="{FF2B5EF4-FFF2-40B4-BE49-F238E27FC236}">
+                <a16:creationId xmlns:a16="http://schemas.microsoft.com/office/drawing/2014/main" id="{0D23F410-9370-493C-A9C8-9F60A4AF60E2}"/>
+              </a:ext>
+            </a:extLst>
+          </p:cNvPr>
+          <p:cNvSpPr>
+            <a:spLocks noGrp="1"/>
+          </p:cNvSpPr>
+          <p:nvPr>
+            <p:ph idx="12"/>
+          </p:nvPr>
+        </p:nvSpPr>
+        <p:spPr>
+          <a:xfrm>
+            <a:off x="548054" y="1434839"/>
+            <a:ext cx="10972800" cy="4567770"/>
+          </a:xfrm>
+        </p:spPr>
+        <p:txBody>
+          <a:bodyPr/>
+          <a:lstStyle/>
+          <a:p>
+            <a:r>
+              <a:rPr lang="en-US" sz="2000" dirty="0"/>
+              <a:t>General issue:</a:t>
+            </a:r>
+          </a:p>
+          <a:p>
+            <a:pPr lvl="1"/>
+            <a:r>
+              <a:rPr lang="en-US" sz="1800" dirty="0"/>
+              <a:t>Submit ticket through: </a:t>
+            </a:r>
+            <a:r>
+              <a:rPr lang="en-US" sz="1800" dirty="0">
+                <a:hlinkClick r:id="rId2"/>
+              </a:rPr>
+              <a:t>https://apps.na.collabserv.com/wikis/home?lang=en-us#!/wiki/W1f1fdb4b2ab6_4646_b124_3195f2816bb9/page/Engage%20CET%20iSupport</a:t>
+            </a:r>
+            <a:endParaRPr lang="en-US" sz="1800" dirty="0"/>
+          </a:p>
+          <a:p>
+            <a:pPr lvl="1"/>
+            <a:endParaRPr lang="en-US" sz="1700" dirty="0"/>
+          </a:p>
+        </p:txBody>
+      </p:sp>
+    </p:spTree>
+    <p:extLst>
+      <p:ext uri="{BB962C8B-B14F-4D97-AF65-F5344CB8AC3E}">
+        <p14:creationId xmlns:p14="http://schemas.microsoft.com/office/powerpoint/2010/main" val="3391902139"/>
       </p:ext>
     </p:extLst>
   </p:cSld>
